--- a/topic08/talk-2/Promises.pptx
+++ b/topic08/talk-2/Promises.pptx
@@ -682,7 +682,7 @@
           <a:p>
             <a:fld id="{17E5B92F-4F5C-445E-AE40-0B32A189C07A}" type="datetimeFigureOut">
               <a:rPr lang="en-IE" smtClean="0"/>
-              <a:t>26/11/2020</a:t>
+              <a:t>14/11/2022</a:t>
             </a:fld>
             <a:endParaRPr lang="en-IE"/>
           </a:p>
@@ -1182,7 +1182,7 @@
           <a:p>
             <a:fld id="{846CE7D5-CF57-46EF-B807-FDD0502418D4}" type="datetimeFigureOut">
               <a:rPr lang="en-US" smtClean="0"/>
-              <a:t>11/26/2020</a:t>
+              <a:t>11/14/2022</a:t>
             </a:fld>
             <a:endParaRPr lang="en-US"/>
           </a:p>
@@ -1350,7 +1350,7 @@
           <a:p>
             <a:fld id="{846CE7D5-CF57-46EF-B807-FDD0502418D4}" type="datetimeFigureOut">
               <a:rPr lang="en-US" smtClean="0"/>
-              <a:t>11/26/2020</a:t>
+              <a:t>11/14/2022</a:t>
             </a:fld>
             <a:endParaRPr lang="en-US"/>
           </a:p>
@@ -1528,7 +1528,7 @@
           <a:p>
             <a:fld id="{846CE7D5-CF57-46EF-B807-FDD0502418D4}" type="datetimeFigureOut">
               <a:rPr lang="en-US" smtClean="0"/>
-              <a:t>11/26/2020</a:t>
+              <a:t>11/14/2022</a:t>
             </a:fld>
             <a:endParaRPr lang="en-US"/>
           </a:p>
@@ -1696,7 +1696,7 @@
           <a:p>
             <a:fld id="{846CE7D5-CF57-46EF-B807-FDD0502418D4}" type="datetimeFigureOut">
               <a:rPr lang="en-US" smtClean="0"/>
-              <a:t>11/26/2020</a:t>
+              <a:t>11/14/2022</a:t>
             </a:fld>
             <a:endParaRPr lang="en-US"/>
           </a:p>
@@ -1941,7 +1941,7 @@
           <a:p>
             <a:fld id="{846CE7D5-CF57-46EF-B807-FDD0502418D4}" type="datetimeFigureOut">
               <a:rPr lang="en-US" smtClean="0"/>
-              <a:t>11/26/2020</a:t>
+              <a:t>11/14/2022</a:t>
             </a:fld>
             <a:endParaRPr lang="en-US"/>
           </a:p>
@@ -2170,7 +2170,7 @@
           <a:p>
             <a:fld id="{846CE7D5-CF57-46EF-B807-FDD0502418D4}" type="datetimeFigureOut">
               <a:rPr lang="en-US" smtClean="0"/>
-              <a:t>11/26/2020</a:t>
+              <a:t>11/14/2022</a:t>
             </a:fld>
             <a:endParaRPr lang="en-US"/>
           </a:p>
@@ -2534,7 +2534,7 @@
           <a:p>
             <a:fld id="{846CE7D5-CF57-46EF-B807-FDD0502418D4}" type="datetimeFigureOut">
               <a:rPr lang="en-US" smtClean="0"/>
-              <a:t>11/26/2020</a:t>
+              <a:t>11/14/2022</a:t>
             </a:fld>
             <a:endParaRPr lang="en-US"/>
           </a:p>
@@ -2651,7 +2651,7 @@
           <a:p>
             <a:fld id="{846CE7D5-CF57-46EF-B807-FDD0502418D4}" type="datetimeFigureOut">
               <a:rPr lang="en-US" smtClean="0"/>
-              <a:t>11/26/2020</a:t>
+              <a:t>11/14/2022</a:t>
             </a:fld>
             <a:endParaRPr lang="en-US"/>
           </a:p>
@@ -2746,7 +2746,7 @@
           <a:p>
             <a:fld id="{846CE7D5-CF57-46EF-B807-FDD0502418D4}" type="datetimeFigureOut">
               <a:rPr lang="en-US" smtClean="0"/>
-              <a:t>11/26/2020</a:t>
+              <a:t>11/14/2022</a:t>
             </a:fld>
             <a:endParaRPr lang="en-US"/>
           </a:p>
@@ -3021,7 +3021,7 @@
           <a:p>
             <a:fld id="{846CE7D5-CF57-46EF-B807-FDD0502418D4}" type="datetimeFigureOut">
               <a:rPr lang="en-US" smtClean="0"/>
-              <a:t>11/26/2020</a:t>
+              <a:t>11/14/2022</a:t>
             </a:fld>
             <a:endParaRPr lang="en-US"/>
           </a:p>
@@ -3276,7 +3276,7 @@
           <a:p>
             <a:fld id="{846CE7D5-CF57-46EF-B807-FDD0502418D4}" type="datetimeFigureOut">
               <a:rPr lang="en-US" smtClean="0"/>
-              <a:t>11/26/2020</a:t>
+              <a:t>11/14/2022</a:t>
             </a:fld>
             <a:endParaRPr lang="en-US"/>
           </a:p>
@@ -3487,7 +3487,7 @@
           <a:p>
             <a:fld id="{846CE7D5-CF57-46EF-B807-FDD0502418D4}" type="datetimeFigureOut">
               <a:rPr lang="en-US" smtClean="0"/>
-              <a:t>11/26/2020</a:t>
+              <a:t>11/14/2022</a:t>
             </a:fld>
             <a:endParaRPr lang="en-US"/>
           </a:p>
@@ -5640,36 +5640,6 @@
           </a:prstGeom>
         </p:spPr>
       </p:pic>
-      <p:pic>
-        <p:nvPicPr>
-          <p:cNvPr id="5" name="Picture 4">
-            <a:extLst>
-              <a:ext uri="{FF2B5EF4-FFF2-40B4-BE49-F238E27FC236}">
-                <a16:creationId xmlns:a16="http://schemas.microsoft.com/office/drawing/2014/main" id="{B62BED9E-8C9F-4AB2-A926-6CEA808F7F4F}"/>
-              </a:ext>
-            </a:extLst>
-          </p:cNvPr>
-          <p:cNvPicPr>
-            <a:picLocks noChangeAspect="1"/>
-          </p:cNvPicPr>
-          <p:nvPr/>
-        </p:nvPicPr>
-        <p:blipFill>
-          <a:blip r:embed="rId3"/>
-          <a:stretch>
-            <a:fillRect/>
-          </a:stretch>
-        </p:blipFill>
-        <p:spPr>
-          <a:xfrm>
-            <a:off x="2368264" y="5164282"/>
-            <a:ext cx="6103390" cy="1430482"/>
-          </a:xfrm>
-          <a:prstGeom prst="rect">
-            <a:avLst/>
-          </a:prstGeom>
-        </p:spPr>
-      </p:pic>
       <p:sp>
         <p:nvSpPr>
           <p:cNvPr id="6" name="Arrow: Down 5">
@@ -5719,6 +5689,36 @@
           </a:p>
         </p:txBody>
       </p:sp>
+      <p:pic>
+        <p:nvPicPr>
+          <p:cNvPr id="7" name="Picture 6">
+            <a:extLst>
+              <a:ext uri="{FF2B5EF4-FFF2-40B4-BE49-F238E27FC236}">
+                <a16:creationId xmlns:a16="http://schemas.microsoft.com/office/drawing/2014/main" id="{FB679086-8AFC-5874-6889-FCDDAA6AD0F8}"/>
+              </a:ext>
+            </a:extLst>
+          </p:cNvPr>
+          <p:cNvPicPr>
+            <a:picLocks noChangeAspect="1"/>
+          </p:cNvPicPr>
+          <p:nvPr/>
+        </p:nvPicPr>
+        <p:blipFill>
+          <a:blip r:embed="rId3"/>
+          <a:stretch>
+            <a:fillRect/>
+          </a:stretch>
+        </p:blipFill>
+        <p:spPr>
+          <a:xfrm>
+            <a:off x="3020387" y="5179731"/>
+            <a:ext cx="5387900" cy="1234039"/>
+          </a:xfrm>
+          <a:prstGeom prst="rect">
+            <a:avLst/>
+          </a:prstGeom>
+        </p:spPr>
+      </p:pic>
     </p:spTree>
     <p:extLst>
       <p:ext uri="{BB962C8B-B14F-4D97-AF65-F5344CB8AC3E}">
@@ -6089,36 +6089,6 @@
           </a:p>
         </p:txBody>
       </p:sp>
-      <p:pic>
-        <p:nvPicPr>
-          <p:cNvPr id="5" name="Picture 4">
-            <a:extLst>
-              <a:ext uri="{FF2B5EF4-FFF2-40B4-BE49-F238E27FC236}">
-                <a16:creationId xmlns:a16="http://schemas.microsoft.com/office/drawing/2014/main" id="{E2B97068-F39D-444A-BB12-69C4D79CE64F}"/>
-              </a:ext>
-            </a:extLst>
-          </p:cNvPr>
-          <p:cNvPicPr>
-            <a:picLocks noChangeAspect="1"/>
-          </p:cNvPicPr>
-          <p:nvPr/>
-        </p:nvPicPr>
-        <p:blipFill>
-          <a:blip r:embed="rId2"/>
-          <a:stretch>
-            <a:fillRect/>
-          </a:stretch>
-        </p:blipFill>
-        <p:spPr>
-          <a:xfrm>
-            <a:off x="7448090" y="2612839"/>
-            <a:ext cx="6660154" cy="2798610"/>
-          </a:xfrm>
-          <a:prstGeom prst="rect">
-            <a:avLst/>
-          </a:prstGeom>
-        </p:spPr>
-      </p:pic>
       <p:sp>
         <p:nvSpPr>
           <p:cNvPr id="6" name="Arrow: Right 5">
@@ -6183,7 +6153,7 @@
           <p:nvPr/>
         </p:nvPicPr>
         <p:blipFill>
-          <a:blip r:embed="rId3"/>
+          <a:blip r:embed="rId2"/>
           <a:stretch>
             <a:fillRect/>
           </a:stretch>
@@ -6192,6 +6162,36 @@
           <a:xfrm>
             <a:off x="96491" y="1892865"/>
             <a:ext cx="5980977" cy="4140676"/>
+          </a:xfrm>
+          <a:prstGeom prst="rect">
+            <a:avLst/>
+          </a:prstGeom>
+        </p:spPr>
+      </p:pic>
+      <p:pic>
+        <p:nvPicPr>
+          <p:cNvPr id="4" name="Picture 3">
+            <a:extLst>
+              <a:ext uri="{FF2B5EF4-FFF2-40B4-BE49-F238E27FC236}">
+                <a16:creationId xmlns:a16="http://schemas.microsoft.com/office/drawing/2014/main" id="{A8337A84-135D-94A8-7607-205175B16F30}"/>
+              </a:ext>
+            </a:extLst>
+          </p:cNvPr>
+          <p:cNvPicPr>
+            <a:picLocks noChangeAspect="1"/>
+          </p:cNvPicPr>
+          <p:nvPr/>
+        </p:nvPicPr>
+        <p:blipFill>
+          <a:blip r:embed="rId3"/>
+          <a:stretch>
+            <a:fillRect/>
+          </a:stretch>
+        </p:blipFill>
+        <p:spPr>
+          <a:xfrm>
+            <a:off x="7342043" y="2254213"/>
+            <a:ext cx="5186794" cy="3330158"/>
           </a:xfrm>
           <a:prstGeom prst="rect">
             <a:avLst/>
@@ -6257,41 +6257,6 @@
                                         <p:cTn id="7" dur="500"/>
                                         <p:tgtEl>
                                           <p:spTgt spid="6"/>
-                                        </p:tgtEl>
-                                      </p:cBhvr>
-                                    </p:animEffect>
-                                  </p:childTnLst>
-                                </p:cTn>
-                              </p:par>
-                              <p:par>
-                                <p:cTn id="8" presetID="10" presetClass="entr" presetSubtype="0" fill="hold" nodeType="withEffect">
-                                  <p:stCondLst>
-                                    <p:cond delay="0"/>
-                                  </p:stCondLst>
-                                  <p:childTnLst>
-                                    <p:set>
-                                      <p:cBhvr>
-                                        <p:cTn id="9" dur="1" fill="hold">
-                                          <p:stCondLst>
-                                            <p:cond delay="0"/>
-                                          </p:stCondLst>
-                                        </p:cTn>
-                                        <p:tgtEl>
-                                          <p:spTgt spid="5"/>
-                                        </p:tgtEl>
-                                        <p:attrNameLst>
-                                          <p:attrName>style.visibility</p:attrName>
-                                        </p:attrNameLst>
-                                      </p:cBhvr>
-                                      <p:to>
-                                        <p:strVal val="visible"/>
-                                      </p:to>
-                                    </p:set>
-                                    <p:animEffect transition="in" filter="fade">
-                                      <p:cBhvr>
-                                        <p:cTn id="10" dur="500"/>
-                                        <p:tgtEl>
-                                          <p:spTgt spid="5"/>
                                         </p:tgtEl>
                                       </p:cBhvr>
                                     </p:animEffect>
@@ -12788,8 +12753,8 @@
             <a:chExt cx="2211480" cy="3694320"/>
           </a:xfrm>
         </p:grpSpPr>
-        <mc:AlternateContent xmlns:mc="http://schemas.openxmlformats.org/markup-compatibility/2006">
-          <mc:Choice xmlns:p14="http://schemas.microsoft.com/office/powerpoint/2010/main" Requires="p14">
+        <mc:AlternateContent xmlns:mc="http://schemas.openxmlformats.org/markup-compatibility/2006" xmlns:p14="http://schemas.microsoft.com/office/powerpoint/2010/main">
+          <mc:Choice Requires="p14">
             <p:contentPart p14:bwMode="auto" r:id="rId2">
               <p14:nvContentPartPr>
                 <p14:cNvPr id="12" name="Ink 11">
@@ -12808,7 +12773,7 @@
               </p14:xfrm>
             </p:contentPart>
           </mc:Choice>
-          <mc:Fallback>
+          <mc:Fallback xmlns="">
             <p:pic>
               <p:nvPicPr>
                 <p:cNvPr id="12" name="Ink 11">
@@ -12839,8 +12804,8 @@
             </p:pic>
           </mc:Fallback>
         </mc:AlternateContent>
-        <mc:AlternateContent xmlns:mc="http://schemas.openxmlformats.org/markup-compatibility/2006">
-          <mc:Choice xmlns:p14="http://schemas.microsoft.com/office/powerpoint/2010/main" Requires="p14">
+        <mc:AlternateContent xmlns:mc="http://schemas.openxmlformats.org/markup-compatibility/2006" xmlns:p14="http://schemas.microsoft.com/office/powerpoint/2010/main">
+          <mc:Choice Requires="p14">
             <p:contentPart p14:bwMode="auto" r:id="rId4">
               <p14:nvContentPartPr>
                 <p14:cNvPr id="13" name="Ink 12">
@@ -12859,7 +12824,7 @@
               </p14:xfrm>
             </p:contentPart>
           </mc:Choice>
-          <mc:Fallback>
+          <mc:Fallback xmlns="">
             <p:pic>
               <p:nvPicPr>
                 <p:cNvPr id="13" name="Ink 12">
@@ -12890,8 +12855,8 @@
             </p:pic>
           </mc:Fallback>
         </mc:AlternateContent>
-        <mc:AlternateContent xmlns:mc="http://schemas.openxmlformats.org/markup-compatibility/2006">
-          <mc:Choice xmlns:p14="http://schemas.microsoft.com/office/powerpoint/2010/main" Requires="p14">
+        <mc:AlternateContent xmlns:mc="http://schemas.openxmlformats.org/markup-compatibility/2006" xmlns:p14="http://schemas.microsoft.com/office/powerpoint/2010/main">
+          <mc:Choice Requires="p14">
             <p:contentPart p14:bwMode="auto" r:id="rId6">
               <p14:nvContentPartPr>
                 <p14:cNvPr id="15" name="Ink 14">
@@ -12910,7 +12875,7 @@
               </p14:xfrm>
             </p:contentPart>
           </mc:Choice>
-          <mc:Fallback>
+          <mc:Fallback xmlns="">
             <p:pic>
               <p:nvPicPr>
                 <p:cNvPr id="15" name="Ink 14">
@@ -12941,8 +12906,8 @@
             </p:pic>
           </mc:Fallback>
         </mc:AlternateContent>
-        <mc:AlternateContent xmlns:mc="http://schemas.openxmlformats.org/markup-compatibility/2006">
-          <mc:Choice xmlns:p14="http://schemas.microsoft.com/office/powerpoint/2010/main" Requires="p14">
+        <mc:AlternateContent xmlns:mc="http://schemas.openxmlformats.org/markup-compatibility/2006" xmlns:p14="http://schemas.microsoft.com/office/powerpoint/2010/main">
+          <mc:Choice Requires="p14">
             <p:contentPart p14:bwMode="auto" r:id="rId8">
               <p14:nvContentPartPr>
                 <p14:cNvPr id="16" name="Ink 15">
@@ -12961,7 +12926,7 @@
               </p14:xfrm>
             </p:contentPart>
           </mc:Choice>
-          <mc:Fallback>
+          <mc:Fallback xmlns="">
             <p:pic>
               <p:nvPicPr>
                 <p:cNvPr id="16" name="Ink 15">
@@ -12992,8 +12957,8 @@
             </p:pic>
           </mc:Fallback>
         </mc:AlternateContent>
-        <mc:AlternateContent xmlns:mc="http://schemas.openxmlformats.org/markup-compatibility/2006">
-          <mc:Choice xmlns:p14="http://schemas.microsoft.com/office/powerpoint/2010/main" Requires="p14">
+        <mc:AlternateContent xmlns:mc="http://schemas.openxmlformats.org/markup-compatibility/2006" xmlns:p14="http://schemas.microsoft.com/office/powerpoint/2010/main">
+          <mc:Choice Requires="p14">
             <p:contentPart p14:bwMode="auto" r:id="rId10">
               <p14:nvContentPartPr>
                 <p14:cNvPr id="17" name="Ink 16">
@@ -13012,7 +12977,7 @@
               </p14:xfrm>
             </p:contentPart>
           </mc:Choice>
-          <mc:Fallback>
+          <mc:Fallback xmlns="">
             <p:pic>
               <p:nvPicPr>
                 <p:cNvPr id="17" name="Ink 16">
@@ -13043,8 +13008,8 @@
             </p:pic>
           </mc:Fallback>
         </mc:AlternateContent>
-        <mc:AlternateContent xmlns:mc="http://schemas.openxmlformats.org/markup-compatibility/2006">
-          <mc:Choice xmlns:p14="http://schemas.microsoft.com/office/powerpoint/2010/main" Requires="p14">
+        <mc:AlternateContent xmlns:mc="http://schemas.openxmlformats.org/markup-compatibility/2006" xmlns:p14="http://schemas.microsoft.com/office/powerpoint/2010/main">
+          <mc:Choice Requires="p14">
             <p:contentPart p14:bwMode="auto" r:id="rId12">
               <p14:nvContentPartPr>
                 <p14:cNvPr id="18" name="Ink 17">
@@ -13063,7 +13028,7 @@
               </p14:xfrm>
             </p:contentPart>
           </mc:Choice>
-          <mc:Fallback>
+          <mc:Fallback xmlns="">
             <p:pic>
               <p:nvPicPr>
                 <p:cNvPr id="18" name="Ink 17">
@@ -13094,8 +13059,8 @@
             </p:pic>
           </mc:Fallback>
         </mc:AlternateContent>
-        <mc:AlternateContent xmlns:mc="http://schemas.openxmlformats.org/markup-compatibility/2006">
-          <mc:Choice xmlns:p14="http://schemas.microsoft.com/office/powerpoint/2010/main" Requires="p14">
+        <mc:AlternateContent xmlns:mc="http://schemas.openxmlformats.org/markup-compatibility/2006" xmlns:p14="http://schemas.microsoft.com/office/powerpoint/2010/main">
+          <mc:Choice Requires="p14">
             <p:contentPart p14:bwMode="auto" r:id="rId14">
               <p14:nvContentPartPr>
                 <p14:cNvPr id="20" name="Ink 19">
@@ -13114,7 +13079,7 @@
               </p14:xfrm>
             </p:contentPart>
           </mc:Choice>
-          <mc:Fallback>
+          <mc:Fallback xmlns="">
             <p:pic>
               <p:nvPicPr>
                 <p:cNvPr id="20" name="Ink 19">
@@ -13145,8 +13110,8 @@
             </p:pic>
           </mc:Fallback>
         </mc:AlternateContent>
-        <mc:AlternateContent xmlns:mc="http://schemas.openxmlformats.org/markup-compatibility/2006">
-          <mc:Choice xmlns:p14="http://schemas.microsoft.com/office/powerpoint/2010/main" Requires="p14">
+        <mc:AlternateContent xmlns:mc="http://schemas.openxmlformats.org/markup-compatibility/2006" xmlns:p14="http://schemas.microsoft.com/office/powerpoint/2010/main">
+          <mc:Choice Requires="p14">
             <p:contentPart p14:bwMode="auto" r:id="rId16">
               <p14:nvContentPartPr>
                 <p14:cNvPr id="21" name="Ink 20">
@@ -13165,7 +13130,7 @@
               </p14:xfrm>
             </p:contentPart>
           </mc:Choice>
-          <mc:Fallback>
+          <mc:Fallback xmlns="">
             <p:pic>
               <p:nvPicPr>
                 <p:cNvPr id="21" name="Ink 20">
@@ -13196,8 +13161,8 @@
             </p:pic>
           </mc:Fallback>
         </mc:AlternateContent>
-        <mc:AlternateContent xmlns:mc="http://schemas.openxmlformats.org/markup-compatibility/2006">
-          <mc:Choice xmlns:p14="http://schemas.microsoft.com/office/powerpoint/2010/main" Requires="p14">
+        <mc:AlternateContent xmlns:mc="http://schemas.openxmlformats.org/markup-compatibility/2006" xmlns:p14="http://schemas.microsoft.com/office/powerpoint/2010/main">
+          <mc:Choice Requires="p14">
             <p:contentPart p14:bwMode="auto" r:id="rId18">
               <p14:nvContentPartPr>
                 <p14:cNvPr id="23" name="Ink 22">
@@ -13216,7 +13181,7 @@
               </p14:xfrm>
             </p:contentPart>
           </mc:Choice>
-          <mc:Fallback>
+          <mc:Fallback xmlns="">
             <p:pic>
               <p:nvPicPr>
                 <p:cNvPr id="23" name="Ink 22">
@@ -13247,8 +13212,8 @@
             </p:pic>
           </mc:Fallback>
         </mc:AlternateContent>
-        <mc:AlternateContent xmlns:mc="http://schemas.openxmlformats.org/markup-compatibility/2006">
-          <mc:Choice xmlns:p14="http://schemas.microsoft.com/office/powerpoint/2010/main" Requires="p14">
+        <mc:AlternateContent xmlns:mc="http://schemas.openxmlformats.org/markup-compatibility/2006" xmlns:p14="http://schemas.microsoft.com/office/powerpoint/2010/main">
+          <mc:Choice Requires="p14">
             <p:contentPart p14:bwMode="auto" r:id="rId20">
               <p14:nvContentPartPr>
                 <p14:cNvPr id="24" name="Ink 23">
@@ -13267,7 +13232,7 @@
               </p14:xfrm>
             </p:contentPart>
           </mc:Choice>
-          <mc:Fallback>
+          <mc:Fallback xmlns="">
             <p:pic>
               <p:nvPicPr>
                 <p:cNvPr id="24" name="Ink 23">
@@ -13298,8 +13263,8 @@
             </p:pic>
           </mc:Fallback>
         </mc:AlternateContent>
-        <mc:AlternateContent xmlns:mc="http://schemas.openxmlformats.org/markup-compatibility/2006">
-          <mc:Choice xmlns:p14="http://schemas.microsoft.com/office/powerpoint/2010/main" Requires="p14">
+        <mc:AlternateContent xmlns:mc="http://schemas.openxmlformats.org/markup-compatibility/2006" xmlns:p14="http://schemas.microsoft.com/office/powerpoint/2010/main">
+          <mc:Choice Requires="p14">
             <p:contentPart p14:bwMode="auto" r:id="rId22">
               <p14:nvContentPartPr>
                 <p14:cNvPr id="26" name="Ink 25">
@@ -13318,7 +13283,7 @@
               </p14:xfrm>
             </p:contentPart>
           </mc:Choice>
-          <mc:Fallback>
+          <mc:Fallback xmlns="">
             <p:pic>
               <p:nvPicPr>
                 <p:cNvPr id="26" name="Ink 25">
@@ -13349,8 +13314,8 @@
             </p:pic>
           </mc:Fallback>
         </mc:AlternateContent>
-        <mc:AlternateContent xmlns:mc="http://schemas.openxmlformats.org/markup-compatibility/2006">
-          <mc:Choice xmlns:p14="http://schemas.microsoft.com/office/powerpoint/2010/main" Requires="p14">
+        <mc:AlternateContent xmlns:mc="http://schemas.openxmlformats.org/markup-compatibility/2006" xmlns:p14="http://schemas.microsoft.com/office/powerpoint/2010/main">
+          <mc:Choice Requires="p14">
             <p:contentPart p14:bwMode="auto" r:id="rId24">
               <p14:nvContentPartPr>
                 <p14:cNvPr id="27" name="Ink 26">
@@ -13369,7 +13334,7 @@
               </p14:xfrm>
             </p:contentPart>
           </mc:Choice>
-          <mc:Fallback>
+          <mc:Fallback xmlns="">
             <p:pic>
               <p:nvPicPr>
                 <p:cNvPr id="27" name="Ink 26">
@@ -13421,8 +13386,8 @@
             <a:chExt cx="1577520" cy="1534320"/>
           </a:xfrm>
         </p:grpSpPr>
-        <mc:AlternateContent xmlns:mc="http://schemas.openxmlformats.org/markup-compatibility/2006">
-          <mc:Choice xmlns:p14="http://schemas.microsoft.com/office/powerpoint/2010/main" Requires="p14">
+        <mc:AlternateContent xmlns:mc="http://schemas.openxmlformats.org/markup-compatibility/2006" xmlns:p14="http://schemas.microsoft.com/office/powerpoint/2010/main">
+          <mc:Choice Requires="p14">
             <p:contentPart p14:bwMode="auto" r:id="rId26">
               <p14:nvContentPartPr>
                 <p14:cNvPr id="29" name="Ink 28">
@@ -13441,7 +13406,7 @@
               </p14:xfrm>
             </p:contentPart>
           </mc:Choice>
-          <mc:Fallback>
+          <mc:Fallback xmlns="">
             <p:pic>
               <p:nvPicPr>
                 <p:cNvPr id="29" name="Ink 28">
@@ -13472,8 +13437,8 @@
             </p:pic>
           </mc:Fallback>
         </mc:AlternateContent>
-        <mc:AlternateContent xmlns:mc="http://schemas.openxmlformats.org/markup-compatibility/2006">
-          <mc:Choice xmlns:p14="http://schemas.microsoft.com/office/powerpoint/2010/main" Requires="p14">
+        <mc:AlternateContent xmlns:mc="http://schemas.openxmlformats.org/markup-compatibility/2006" xmlns:p14="http://schemas.microsoft.com/office/powerpoint/2010/main">
+          <mc:Choice Requires="p14">
             <p:contentPart p14:bwMode="auto" r:id="rId28">
               <p14:nvContentPartPr>
                 <p14:cNvPr id="30" name="Ink 29">
@@ -13492,7 +13457,7 @@
               </p14:xfrm>
             </p:contentPart>
           </mc:Choice>
-          <mc:Fallback>
+          <mc:Fallback xmlns="">
             <p:pic>
               <p:nvPicPr>
                 <p:cNvPr id="30" name="Ink 29">
